--- a/_site/posts/2025-04-01-journals/WhereToPublish_1303.pptx
+++ b/_site/posts/2025-04-01-journals/WhereToPublish_1303.pptx
@@ -17446,7 +17446,7 @@
               <a:pPr>
                 <a:defRPr/>
               </a:pPr>
-              <a:t>13/03/2025</a:t>
+              <a:t>01/04/2025</a:t>
             </a:fld>
             <a:endParaRPr lang="en-DE"/>
           </a:p>
@@ -19039,7 +19039,7 @@
               <a:pPr>
                 <a:defRPr/>
               </a:pPr>
-              <a:t>13/03/2025</a:t>
+              <a:t>01/04/2025</a:t>
             </a:fld>
             <a:endParaRPr lang="en-DE"/>
           </a:p>
@@ -19254,7 +19254,7 @@
               <a:pPr>
                 <a:defRPr/>
               </a:pPr>
-              <a:t>13/03/2025</a:t>
+              <a:t>01/04/2025</a:t>
             </a:fld>
             <a:endParaRPr lang="en-DE"/>
           </a:p>
@@ -19479,7 +19479,7 @@
               <a:pPr>
                 <a:defRPr/>
               </a:pPr>
-              <a:t>13/03/2025</a:t>
+              <a:t>01/04/2025</a:t>
             </a:fld>
             <a:endParaRPr lang="en-DE"/>
           </a:p>
@@ -19694,7 +19694,7 @@
               <a:pPr>
                 <a:defRPr/>
               </a:pPr>
-              <a:t>13/03/2025</a:t>
+              <a:t>01/04/2025</a:t>
             </a:fld>
             <a:endParaRPr lang="en-DE"/>
           </a:p>
@@ -19985,7 +19985,7 @@
               <a:pPr>
                 <a:defRPr/>
               </a:pPr>
-              <a:t>13/03/2025</a:t>
+              <a:t>01/04/2025</a:t>
             </a:fld>
             <a:endParaRPr lang="en-DE"/>
           </a:p>
@@ -20262,7 +20262,7 @@
               <a:pPr>
                 <a:defRPr/>
               </a:pPr>
-              <a:t>13/03/2025</a:t>
+              <a:t>01/04/2025</a:t>
             </a:fld>
             <a:endParaRPr lang="en-DE"/>
           </a:p>
@@ -20674,7 +20674,7 @@
               <a:pPr>
                 <a:defRPr/>
               </a:pPr>
-              <a:t>13/03/2025</a:t>
+              <a:t>01/04/2025</a:t>
             </a:fld>
             <a:endParaRPr lang="en-DE"/>
           </a:p>
@@ -20837,7 +20837,7 @@
               <a:pPr>
                 <a:defRPr/>
               </a:pPr>
-              <a:t>13/03/2025</a:t>
+              <a:t>01/04/2025</a:t>
             </a:fld>
             <a:endParaRPr lang="en-DE"/>
           </a:p>
@@ -20977,7 +20977,7 @@
               <a:pPr>
                 <a:defRPr/>
               </a:pPr>
-              <a:t>13/03/2025</a:t>
+              <a:t>01/04/2025</a:t>
             </a:fld>
             <a:endParaRPr lang="en-DE"/>
           </a:p>
@@ -21299,7 +21299,7 @@
               <a:pPr>
                 <a:defRPr/>
               </a:pPr>
-              <a:t>13/03/2025</a:t>
+              <a:t>01/04/2025</a:t>
             </a:fld>
             <a:endParaRPr lang="en-DE"/>
           </a:p>
@@ -21600,7 +21600,7 @@
               <a:pPr>
                 <a:defRPr/>
               </a:pPr>
-              <a:t>13/03/2025</a:t>
+              <a:t>01/04/2025</a:t>
             </a:fld>
             <a:endParaRPr lang="en-DE"/>
           </a:p>
@@ -21930,7 +21930,7 @@
               <a:pPr>
                 <a:defRPr/>
               </a:pPr>
-              <a:t>13/03/2025</a:t>
+              <a:t>01/04/2025</a:t>
             </a:fld>
             <a:endParaRPr lang="en-DE"/>
           </a:p>
@@ -36755,7 +36755,7 @@
                     <a:lumMod val="95000"/>
                   </a:schemeClr>
                 </a:solidFill>
-                <a:latin typeface="Avenir Next LT Pro Light" panose="020B0304020202020204" pitchFamily="34" charset="0"/>
+                <a:latin typeface="Avenir Next LT Pro" panose="020B0504020202020204" pitchFamily="34" charset="0"/>
               </a:rPr>
               <a:t>Keep informing yourself</a:t>
             </a:r>
@@ -36765,7 +36765,7 @@
                   <a:lumMod val="95000"/>
                 </a:schemeClr>
               </a:solidFill>
-              <a:latin typeface="Avenir Next LT Pro Light" panose="020B0304020202020204" pitchFamily="34" charset="0"/>
+              <a:latin typeface="Avenir Next LT Pro" panose="020B0504020202020204" pitchFamily="34" charset="0"/>
             </a:endParaRPr>
           </a:p>
         </p:txBody>
